--- a/BlackBoxCurrent/shapespp.pptx
+++ b/BlackBoxCurrent/shapespp.pptx
@@ -260,7 +260,7 @@
           <a:p>
             <a:fld id="{598F2FF8-D117-4682-AEF5-710904D7B157}" type="datetimeFigureOut">
               <a:rPr lang="en-US" smtClean="0"/>
-              <a:t>2/9/2020</a:t>
+              <a:t>2/10/2020</a:t>
             </a:fld>
             <a:endParaRPr lang="en-US"/>
           </a:p>
@@ -458,7 +458,7 @@
           <a:p>
             <a:fld id="{598F2FF8-D117-4682-AEF5-710904D7B157}" type="datetimeFigureOut">
               <a:rPr lang="en-US" smtClean="0"/>
-              <a:t>2/9/2020</a:t>
+              <a:t>2/10/2020</a:t>
             </a:fld>
             <a:endParaRPr lang="en-US"/>
           </a:p>
@@ -666,7 +666,7 @@
           <a:p>
             <a:fld id="{598F2FF8-D117-4682-AEF5-710904D7B157}" type="datetimeFigureOut">
               <a:rPr lang="en-US" smtClean="0"/>
-              <a:t>2/9/2020</a:t>
+              <a:t>2/10/2020</a:t>
             </a:fld>
             <a:endParaRPr lang="en-US"/>
           </a:p>
@@ -864,7 +864,7 @@
           <a:p>
             <a:fld id="{598F2FF8-D117-4682-AEF5-710904D7B157}" type="datetimeFigureOut">
               <a:rPr lang="en-US" smtClean="0"/>
-              <a:t>2/9/2020</a:t>
+              <a:t>2/10/2020</a:t>
             </a:fld>
             <a:endParaRPr lang="en-US"/>
           </a:p>
@@ -1139,7 +1139,7 @@
           <a:p>
             <a:fld id="{598F2FF8-D117-4682-AEF5-710904D7B157}" type="datetimeFigureOut">
               <a:rPr lang="en-US" smtClean="0"/>
-              <a:t>2/9/2020</a:t>
+              <a:t>2/10/2020</a:t>
             </a:fld>
             <a:endParaRPr lang="en-US"/>
           </a:p>
@@ -1404,7 +1404,7 @@
           <a:p>
             <a:fld id="{598F2FF8-D117-4682-AEF5-710904D7B157}" type="datetimeFigureOut">
               <a:rPr lang="en-US" smtClean="0"/>
-              <a:t>2/9/2020</a:t>
+              <a:t>2/10/2020</a:t>
             </a:fld>
             <a:endParaRPr lang="en-US"/>
           </a:p>
@@ -1816,7 +1816,7 @@
           <a:p>
             <a:fld id="{598F2FF8-D117-4682-AEF5-710904D7B157}" type="datetimeFigureOut">
               <a:rPr lang="en-US" smtClean="0"/>
-              <a:t>2/9/2020</a:t>
+              <a:t>2/10/2020</a:t>
             </a:fld>
             <a:endParaRPr lang="en-US"/>
           </a:p>
@@ -1957,7 +1957,7 @@
           <a:p>
             <a:fld id="{598F2FF8-D117-4682-AEF5-710904D7B157}" type="datetimeFigureOut">
               <a:rPr lang="en-US" smtClean="0"/>
-              <a:t>2/9/2020</a:t>
+              <a:t>2/10/2020</a:t>
             </a:fld>
             <a:endParaRPr lang="en-US"/>
           </a:p>
@@ -2070,7 +2070,7 @@
           <a:p>
             <a:fld id="{598F2FF8-D117-4682-AEF5-710904D7B157}" type="datetimeFigureOut">
               <a:rPr lang="en-US" smtClean="0"/>
-              <a:t>2/9/2020</a:t>
+              <a:t>2/10/2020</a:t>
             </a:fld>
             <a:endParaRPr lang="en-US"/>
           </a:p>
@@ -2381,7 +2381,7 @@
           <a:p>
             <a:fld id="{598F2FF8-D117-4682-AEF5-710904D7B157}" type="datetimeFigureOut">
               <a:rPr lang="en-US" smtClean="0"/>
-              <a:t>2/9/2020</a:t>
+              <a:t>2/10/2020</a:t>
             </a:fld>
             <a:endParaRPr lang="en-US"/>
           </a:p>
@@ -2669,7 +2669,7 @@
           <a:p>
             <a:fld id="{598F2FF8-D117-4682-AEF5-710904D7B157}" type="datetimeFigureOut">
               <a:rPr lang="en-US" smtClean="0"/>
-              <a:t>2/9/2020</a:t>
+              <a:t>2/10/2020</a:t>
             </a:fld>
             <a:endParaRPr lang="en-US"/>
           </a:p>
@@ -2910,7 +2910,7 @@
           <a:p>
             <a:fld id="{598F2FF8-D117-4682-AEF5-710904D7B157}" type="datetimeFigureOut">
               <a:rPr lang="en-US" smtClean="0"/>
-              <a:t>2/9/2020</a:t>
+              <a:t>2/10/2020</a:t>
             </a:fld>
             <a:endParaRPr lang="en-US"/>
           </a:p>
@@ -4145,74 +4145,6 @@
           </p:txBody>
         </p:sp>
       </p:grpSp>
-      <p:sp>
-        <p:nvSpPr>
-          <p:cNvPr id="23" name="Oval 22">
-            <a:extLst>
-              <a:ext uri="{FF2B5EF4-FFF2-40B4-BE49-F238E27FC236}">
-                <a16:creationId xmlns:a16="http://schemas.microsoft.com/office/drawing/2014/main" id="{DA7D7413-60C9-4782-8BC1-447840F7FDAD}"/>
-              </a:ext>
-            </a:extLst>
-          </p:cNvPr>
-          <p:cNvSpPr/>
-          <p:nvPr/>
-        </p:nvSpPr>
-        <p:spPr>
-          <a:xfrm flipV="1">
-            <a:off x="3515143" y="3762019"/>
-            <a:ext cx="769000" cy="769000"/>
-          </a:xfrm>
-          <a:prstGeom prst="ellipse">
-            <a:avLst/>
-          </a:prstGeom>
-          <a:gradFill flip="none" rotWithShape="1">
-            <a:gsLst>
-              <a:gs pos="0">
-                <a:srgbClr val="FFC000"/>
-              </a:gs>
-              <a:gs pos="100000">
-                <a:schemeClr val="accent4">
-                  <a:lumMod val="20000"/>
-                  <a:lumOff val="80000"/>
-                </a:schemeClr>
-              </a:gs>
-            </a:gsLst>
-            <a:path path="circle">
-              <a:fillToRect l="50000" t="50000" r="50000" b="50000"/>
-            </a:path>
-            <a:tileRect/>
-          </a:gradFill>
-          <a:ln w="6350">
-            <a:solidFill>
-              <a:schemeClr val="tx1"/>
-            </a:solidFill>
-          </a:ln>
-        </p:spPr>
-        <p:style>
-          <a:lnRef idx="2">
-            <a:schemeClr val="accent1">
-              <a:shade val="50000"/>
-            </a:schemeClr>
-          </a:lnRef>
-          <a:fillRef idx="1">
-            <a:schemeClr val="accent1"/>
-          </a:fillRef>
-          <a:effectRef idx="0">
-            <a:schemeClr val="accent1"/>
-          </a:effectRef>
-          <a:fontRef idx="minor">
-            <a:schemeClr val="lt1"/>
-          </a:fontRef>
-        </p:style>
-        <p:txBody>
-          <a:bodyPr rtlCol="0" anchor="ctr"/>
-          <a:lstStyle/>
-          <a:p>
-            <a:pPr algn="ctr"/>
-            <a:endParaRPr lang="en-US"/>
-          </a:p>
-        </p:txBody>
-      </p:sp>
       <p:pic>
         <p:nvPicPr>
           <p:cNvPr id="24" name="Picture 23">
@@ -4341,6 +4273,60 @@
           </a:fontRef>
         </p:style>
       </p:cxnSp>
+      <p:sp>
+        <p:nvSpPr>
+          <p:cNvPr id="12" name="Oval 11">
+            <a:extLst>
+              <a:ext uri="{FF2B5EF4-FFF2-40B4-BE49-F238E27FC236}">
+                <a16:creationId xmlns:a16="http://schemas.microsoft.com/office/drawing/2014/main" id="{393AA811-3228-49D3-9950-3AEDB12F034B}"/>
+              </a:ext>
+            </a:extLst>
+          </p:cNvPr>
+          <p:cNvSpPr/>
+          <p:nvPr/>
+        </p:nvSpPr>
+        <p:spPr>
+          <a:xfrm>
+            <a:off x="3432324" y="3566411"/>
+            <a:ext cx="1310186" cy="1310186"/>
+          </a:xfrm>
+          <a:prstGeom prst="ellipse">
+            <a:avLst/>
+          </a:prstGeom>
+          <a:solidFill>
+            <a:schemeClr val="tx1"/>
+          </a:solidFill>
+          <a:ln>
+            <a:solidFill>
+              <a:schemeClr val="tx1"/>
+            </a:solidFill>
+          </a:ln>
+        </p:spPr>
+        <p:style>
+          <a:lnRef idx="2">
+            <a:schemeClr val="accent1">
+              <a:shade val="50000"/>
+            </a:schemeClr>
+          </a:lnRef>
+          <a:fillRef idx="1">
+            <a:schemeClr val="accent1"/>
+          </a:fillRef>
+          <a:effectRef idx="0">
+            <a:schemeClr val="accent1"/>
+          </a:effectRef>
+          <a:fontRef idx="minor">
+            <a:schemeClr val="lt1"/>
+          </a:fontRef>
+        </p:style>
+        <p:txBody>
+          <a:bodyPr rtlCol="0" anchor="ctr"/>
+          <a:lstStyle/>
+          <a:p>
+            <a:pPr algn="ctr"/>
+            <a:endParaRPr lang="en-US"/>
+          </a:p>
+        </p:txBody>
+      </p:sp>
     </p:spTree>
     <p:extLst>
       <p:ext uri="{BB962C8B-B14F-4D97-AF65-F5344CB8AC3E}">
@@ -4583,8 +4569,8 @@
           </a:prstGeom>
         </p:spPr>
       </p:pic>
-      <mc:AlternateContent xmlns:mc="http://schemas.openxmlformats.org/markup-compatibility/2006">
-        <mc:Choice xmlns:pslz="http://schemas.microsoft.com/office/powerpoint/2016/slidezoom" Requires="pslz">
+      <mc:AlternateContent xmlns:mc="http://schemas.openxmlformats.org/markup-compatibility/2006" xmlns:pslz="http://schemas.microsoft.com/office/powerpoint/2016/slidezoom">
+        <mc:Choice Requires="pslz">
           <p:graphicFrame>
             <p:nvGraphicFramePr>
               <p:cNvPr id="7" name="Slide Zoom 6">
@@ -4641,7 +4627,7 @@
             </a:graphic>
           </p:graphicFrame>
         </mc:Choice>
-        <mc:Fallback>
+        <mc:Fallback xmlns="">
           <p:pic>
             <p:nvPicPr>
               <p:cNvPr id="7" name="Slide Zoom 6">
@@ -4658,7 +4644,7 @@
               <p:nvPr/>
             </p:nvPicPr>
             <p:blipFill>
-              <a:blip r:embed="rId4"/>
+              <a:blip r:embed="rId6"/>
               <a:stretch>
                 <a:fillRect/>
               </a:stretch>
@@ -4827,7 +4813,7 @@
           <p:nvPr/>
         </p:nvPicPr>
         <p:blipFill>
-          <a:blip r:embed="rId6"/>
+          <a:blip r:embed="rId7"/>
           <a:stretch>
             <a:fillRect/>
           </a:stretch>
